--- a/ppt 16-9/0761.进入你的内室.pptx
+++ b/ppt 16-9/0761.进入你的内室.pptx
@@ -5,7 +5,7 @@
     <p:sldMasterId id="2147483648" r:id="rId1"/>
   </p:sldMasterIdLst>
   <p:sldIdLst>
-    <p:sldId id="2011" r:id="rId2"/>
+    <p:sldId id="2012" r:id="rId2"/>
   </p:sldIdLst>
   <p:sldSz cx="12192000" cy="6858000"/>
   <p:notesSz cx="6858000" cy="9144000"/>
@@ -129,7 +129,7 @@
           <p:cNvPr id="2" name="标题 1">
             <a:extLst>
               <a:ext uri="{FF2B5EF4-FFF2-40B4-BE49-F238E27FC236}">
-                <a16:creationId xmlns:a16="http://schemas.microsoft.com/office/drawing/2014/main" id="{B7454B71-C0B3-5B59-E8E4-135EB61902BF}"/>
+                <a16:creationId xmlns:a16="http://schemas.microsoft.com/office/drawing/2014/main" id="{FF3C77B2-5B13-09BE-1CCC-9D7B73B6CDB3}"/>
               </a:ext>
             </a:extLst>
           </p:cNvPr>
@@ -166,7 +166,7 @@
           <p:cNvPr id="3" name="副标题 2">
             <a:extLst>
               <a:ext uri="{FF2B5EF4-FFF2-40B4-BE49-F238E27FC236}">
-                <a16:creationId xmlns:a16="http://schemas.microsoft.com/office/drawing/2014/main" id="{3D3DBF86-9822-EB87-DB45-0E2CD5FCD625}"/>
+                <a16:creationId xmlns:a16="http://schemas.microsoft.com/office/drawing/2014/main" id="{7A4EF491-0A78-CE87-0806-0A7C6A530649}"/>
               </a:ext>
             </a:extLst>
           </p:cNvPr>
@@ -236,7 +236,7 @@
           <p:cNvPr id="4" name="日期占位符 3">
             <a:extLst>
               <a:ext uri="{FF2B5EF4-FFF2-40B4-BE49-F238E27FC236}">
-                <a16:creationId xmlns:a16="http://schemas.microsoft.com/office/drawing/2014/main" id="{1222B2C1-65F3-2FC8-6383-C9B661BDA2BC}"/>
+                <a16:creationId xmlns:a16="http://schemas.microsoft.com/office/drawing/2014/main" id="{9EF6E5A0-4F24-2FBA-4B39-CB6B77B99FB8}"/>
               </a:ext>
             </a:extLst>
           </p:cNvPr>
@@ -252,7 +252,7 @@
           <a:bodyPr/>
           <a:lstStyle/>
           <a:p>
-            <a:fld id="{ED5F4853-2A55-4142-A208-88C819F25CC7}" type="datetimeFigureOut">
+            <a:fld id="{582472C0-2B35-4591-B2D3-FB0217B08940}" type="datetimeFigureOut">
               <a:rPr lang="zh-CN" altLang="en-US" smtClean="0"/>
               <a:t>2024/3/10</a:t>
             </a:fld>
@@ -265,7 +265,7 @@
           <p:cNvPr id="5" name="页脚占位符 4">
             <a:extLst>
               <a:ext uri="{FF2B5EF4-FFF2-40B4-BE49-F238E27FC236}">
-                <a16:creationId xmlns:a16="http://schemas.microsoft.com/office/drawing/2014/main" id="{6D07E2FE-99DD-5B2C-979E-CC60A4F840DD}"/>
+                <a16:creationId xmlns:a16="http://schemas.microsoft.com/office/drawing/2014/main" id="{A3F187E2-C875-565E-2D49-ED6CF400B218}"/>
               </a:ext>
             </a:extLst>
           </p:cNvPr>
@@ -290,7 +290,7 @@
           <p:cNvPr id="6" name="灯片编号占位符 5">
             <a:extLst>
               <a:ext uri="{FF2B5EF4-FFF2-40B4-BE49-F238E27FC236}">
-                <a16:creationId xmlns:a16="http://schemas.microsoft.com/office/drawing/2014/main" id="{353ADAD5-7161-1E7B-14FC-AFDAB7EF4809}"/>
+                <a16:creationId xmlns:a16="http://schemas.microsoft.com/office/drawing/2014/main" id="{E0176C48-C8B9-49FD-8476-02D95E766D3A}"/>
               </a:ext>
             </a:extLst>
           </p:cNvPr>
@@ -306,7 +306,7 @@
           <a:bodyPr/>
           <a:lstStyle/>
           <a:p>
-            <a:fld id="{0AB644AF-91B4-49B2-88C4-BF114A29BADC}" type="slidenum">
+            <a:fld id="{19E310E2-6CBE-4907-A290-EE9EBAB7FDFB}" type="slidenum">
               <a:rPr lang="zh-CN" altLang="en-US" smtClean="0"/>
               <a:t>‹#›</a:t>
             </a:fld>
@@ -317,7 +317,7 @@
     </p:spTree>
     <p:extLst>
       <p:ext uri="{BB962C8B-B14F-4D97-AF65-F5344CB8AC3E}">
-        <p14:creationId xmlns:p14="http://schemas.microsoft.com/office/powerpoint/2010/main" val="3087449932"/>
+        <p14:creationId xmlns:p14="http://schemas.microsoft.com/office/powerpoint/2010/main" val="2436369204"/>
       </p:ext>
     </p:extLst>
   </p:cSld>
@@ -349,7 +349,7 @@
           <p:cNvPr id="2" name="标题 1">
             <a:extLst>
               <a:ext uri="{FF2B5EF4-FFF2-40B4-BE49-F238E27FC236}">
-                <a16:creationId xmlns:a16="http://schemas.microsoft.com/office/drawing/2014/main" id="{B6B2981B-E593-8C70-3C5E-0F7268E9D27C}"/>
+                <a16:creationId xmlns:a16="http://schemas.microsoft.com/office/drawing/2014/main" id="{7E69AD7D-10F5-53C9-F8B4-89AF7F00699A}"/>
               </a:ext>
             </a:extLst>
           </p:cNvPr>
@@ -377,7 +377,7 @@
           <p:cNvPr id="3" name="竖排文字占位符 2">
             <a:extLst>
               <a:ext uri="{FF2B5EF4-FFF2-40B4-BE49-F238E27FC236}">
-                <a16:creationId xmlns:a16="http://schemas.microsoft.com/office/drawing/2014/main" id="{D510A30A-CBF6-81B5-7328-8A12104B7E9D}"/>
+                <a16:creationId xmlns:a16="http://schemas.microsoft.com/office/drawing/2014/main" id="{F6AF3EC2-7EB4-5F06-E608-C7E7A6547BCD}"/>
               </a:ext>
             </a:extLst>
           </p:cNvPr>
@@ -434,7 +434,7 @@
           <p:cNvPr id="4" name="日期占位符 3">
             <a:extLst>
               <a:ext uri="{FF2B5EF4-FFF2-40B4-BE49-F238E27FC236}">
-                <a16:creationId xmlns:a16="http://schemas.microsoft.com/office/drawing/2014/main" id="{4DA708AD-5C70-E9BE-B84F-E90383A700EF}"/>
+                <a16:creationId xmlns:a16="http://schemas.microsoft.com/office/drawing/2014/main" id="{6D071972-998A-4FC1-ABB4-C18ECE867465}"/>
               </a:ext>
             </a:extLst>
           </p:cNvPr>
@@ -450,7 +450,7 @@
           <a:bodyPr/>
           <a:lstStyle/>
           <a:p>
-            <a:fld id="{ED5F4853-2A55-4142-A208-88C819F25CC7}" type="datetimeFigureOut">
+            <a:fld id="{582472C0-2B35-4591-B2D3-FB0217B08940}" type="datetimeFigureOut">
               <a:rPr lang="zh-CN" altLang="en-US" smtClean="0"/>
               <a:t>2024/3/10</a:t>
             </a:fld>
@@ -463,7 +463,7 @@
           <p:cNvPr id="5" name="页脚占位符 4">
             <a:extLst>
               <a:ext uri="{FF2B5EF4-FFF2-40B4-BE49-F238E27FC236}">
-                <a16:creationId xmlns:a16="http://schemas.microsoft.com/office/drawing/2014/main" id="{B91BC5C9-B138-3849-65B2-B5C6AD66C4F5}"/>
+                <a16:creationId xmlns:a16="http://schemas.microsoft.com/office/drawing/2014/main" id="{B02D722D-B6F3-6EF5-F298-7FBF9579EBBE}"/>
               </a:ext>
             </a:extLst>
           </p:cNvPr>
@@ -488,7 +488,7 @@
           <p:cNvPr id="6" name="灯片编号占位符 5">
             <a:extLst>
               <a:ext uri="{FF2B5EF4-FFF2-40B4-BE49-F238E27FC236}">
-                <a16:creationId xmlns:a16="http://schemas.microsoft.com/office/drawing/2014/main" id="{DFED0389-BE61-54F1-2718-C23364B71772}"/>
+                <a16:creationId xmlns:a16="http://schemas.microsoft.com/office/drawing/2014/main" id="{05BDEAB7-6D42-1DFF-E2A5-9244738575F4}"/>
               </a:ext>
             </a:extLst>
           </p:cNvPr>
@@ -504,7 +504,7 @@
           <a:bodyPr/>
           <a:lstStyle/>
           <a:p>
-            <a:fld id="{0AB644AF-91B4-49B2-88C4-BF114A29BADC}" type="slidenum">
+            <a:fld id="{19E310E2-6CBE-4907-A290-EE9EBAB7FDFB}" type="slidenum">
               <a:rPr lang="zh-CN" altLang="en-US" smtClean="0"/>
               <a:t>‹#›</a:t>
             </a:fld>
@@ -515,7 +515,7 @@
     </p:spTree>
     <p:extLst>
       <p:ext uri="{BB962C8B-B14F-4D97-AF65-F5344CB8AC3E}">
-        <p14:creationId xmlns:p14="http://schemas.microsoft.com/office/powerpoint/2010/main" val="2199864872"/>
+        <p14:creationId xmlns:p14="http://schemas.microsoft.com/office/powerpoint/2010/main" val="4256552238"/>
       </p:ext>
     </p:extLst>
   </p:cSld>
@@ -547,7 +547,7 @@
           <p:cNvPr id="2" name="竖排标题 1">
             <a:extLst>
               <a:ext uri="{FF2B5EF4-FFF2-40B4-BE49-F238E27FC236}">
-                <a16:creationId xmlns:a16="http://schemas.microsoft.com/office/drawing/2014/main" id="{3308ED7F-3C97-06C2-8EBF-05E7A3B74DD8}"/>
+                <a16:creationId xmlns:a16="http://schemas.microsoft.com/office/drawing/2014/main" id="{ACF23A6C-AEDC-73FF-BBE0-B6F3911E7070}"/>
               </a:ext>
             </a:extLst>
           </p:cNvPr>
@@ -580,7 +580,7 @@
           <p:cNvPr id="3" name="竖排文字占位符 2">
             <a:extLst>
               <a:ext uri="{FF2B5EF4-FFF2-40B4-BE49-F238E27FC236}">
-                <a16:creationId xmlns:a16="http://schemas.microsoft.com/office/drawing/2014/main" id="{F63084B9-22BA-32E4-8675-7F597FC77446}"/>
+                <a16:creationId xmlns:a16="http://schemas.microsoft.com/office/drawing/2014/main" id="{7A2F74C8-6CD5-EA98-F4C1-F9044A870318}"/>
               </a:ext>
             </a:extLst>
           </p:cNvPr>
@@ -642,7 +642,7 @@
           <p:cNvPr id="4" name="日期占位符 3">
             <a:extLst>
               <a:ext uri="{FF2B5EF4-FFF2-40B4-BE49-F238E27FC236}">
-                <a16:creationId xmlns:a16="http://schemas.microsoft.com/office/drawing/2014/main" id="{0B47BFD1-D282-146D-E727-175216BB9035}"/>
+                <a16:creationId xmlns:a16="http://schemas.microsoft.com/office/drawing/2014/main" id="{DE42832D-E743-87B0-E5F5-B7DB800CCEA7}"/>
               </a:ext>
             </a:extLst>
           </p:cNvPr>
@@ -658,7 +658,7 @@
           <a:bodyPr/>
           <a:lstStyle/>
           <a:p>
-            <a:fld id="{ED5F4853-2A55-4142-A208-88C819F25CC7}" type="datetimeFigureOut">
+            <a:fld id="{582472C0-2B35-4591-B2D3-FB0217B08940}" type="datetimeFigureOut">
               <a:rPr lang="zh-CN" altLang="en-US" smtClean="0"/>
               <a:t>2024/3/10</a:t>
             </a:fld>
@@ -671,7 +671,7 @@
           <p:cNvPr id="5" name="页脚占位符 4">
             <a:extLst>
               <a:ext uri="{FF2B5EF4-FFF2-40B4-BE49-F238E27FC236}">
-                <a16:creationId xmlns:a16="http://schemas.microsoft.com/office/drawing/2014/main" id="{94ABC12F-BA2C-0673-9F42-9B12EEEE5490}"/>
+                <a16:creationId xmlns:a16="http://schemas.microsoft.com/office/drawing/2014/main" id="{B49B4D9A-1C2E-D73C-EFB2-72CC94B1433F}"/>
               </a:ext>
             </a:extLst>
           </p:cNvPr>
@@ -696,7 +696,7 @@
           <p:cNvPr id="6" name="灯片编号占位符 5">
             <a:extLst>
               <a:ext uri="{FF2B5EF4-FFF2-40B4-BE49-F238E27FC236}">
-                <a16:creationId xmlns:a16="http://schemas.microsoft.com/office/drawing/2014/main" id="{DED7D27D-E3E2-C8C2-90FF-9E7481F197AA}"/>
+                <a16:creationId xmlns:a16="http://schemas.microsoft.com/office/drawing/2014/main" id="{4EDD0AB3-A11A-9526-B959-8CBCFCE9601C}"/>
               </a:ext>
             </a:extLst>
           </p:cNvPr>
@@ -712,7 +712,7 @@
           <a:bodyPr/>
           <a:lstStyle/>
           <a:p>
-            <a:fld id="{0AB644AF-91B4-49B2-88C4-BF114A29BADC}" type="slidenum">
+            <a:fld id="{19E310E2-6CBE-4907-A290-EE9EBAB7FDFB}" type="slidenum">
               <a:rPr lang="zh-CN" altLang="en-US" smtClean="0"/>
               <a:t>‹#›</a:t>
             </a:fld>
@@ -723,7 +723,7 @@
     </p:spTree>
     <p:extLst>
       <p:ext uri="{BB962C8B-B14F-4D97-AF65-F5344CB8AC3E}">
-        <p14:creationId xmlns:p14="http://schemas.microsoft.com/office/powerpoint/2010/main" val="3191158264"/>
+        <p14:creationId xmlns:p14="http://schemas.microsoft.com/office/powerpoint/2010/main" val="1488558037"/>
       </p:ext>
     </p:extLst>
   </p:cSld>
@@ -755,7 +755,7 @@
           <p:cNvPr id="2" name="标题 1">
             <a:extLst>
               <a:ext uri="{FF2B5EF4-FFF2-40B4-BE49-F238E27FC236}">
-                <a16:creationId xmlns:a16="http://schemas.microsoft.com/office/drawing/2014/main" id="{E31463F5-4610-7253-54ED-A09DEBC82F17}"/>
+                <a16:creationId xmlns:a16="http://schemas.microsoft.com/office/drawing/2014/main" id="{08436140-1EFC-3E03-7532-E3AABF13FD23}"/>
               </a:ext>
             </a:extLst>
           </p:cNvPr>
@@ -783,7 +783,7 @@
           <p:cNvPr id="3" name="内容占位符 2">
             <a:extLst>
               <a:ext uri="{FF2B5EF4-FFF2-40B4-BE49-F238E27FC236}">
-                <a16:creationId xmlns:a16="http://schemas.microsoft.com/office/drawing/2014/main" id="{5820F558-48B9-574A-AD24-311A421A43AB}"/>
+                <a16:creationId xmlns:a16="http://schemas.microsoft.com/office/drawing/2014/main" id="{1D576656-EB7A-24EE-2A0D-4B8257AE8078}"/>
               </a:ext>
             </a:extLst>
           </p:cNvPr>
@@ -840,7 +840,7 @@
           <p:cNvPr id="4" name="日期占位符 3">
             <a:extLst>
               <a:ext uri="{FF2B5EF4-FFF2-40B4-BE49-F238E27FC236}">
-                <a16:creationId xmlns:a16="http://schemas.microsoft.com/office/drawing/2014/main" id="{8E60BFFD-1F05-3709-DFDB-BF05FD746C90}"/>
+                <a16:creationId xmlns:a16="http://schemas.microsoft.com/office/drawing/2014/main" id="{05E9945D-0ECE-CE71-AC48-25E6170AB64E}"/>
               </a:ext>
             </a:extLst>
           </p:cNvPr>
@@ -856,7 +856,7 @@
           <a:bodyPr/>
           <a:lstStyle/>
           <a:p>
-            <a:fld id="{ED5F4853-2A55-4142-A208-88C819F25CC7}" type="datetimeFigureOut">
+            <a:fld id="{582472C0-2B35-4591-B2D3-FB0217B08940}" type="datetimeFigureOut">
               <a:rPr lang="zh-CN" altLang="en-US" smtClean="0"/>
               <a:t>2024/3/10</a:t>
             </a:fld>
@@ -869,7 +869,7 @@
           <p:cNvPr id="5" name="页脚占位符 4">
             <a:extLst>
               <a:ext uri="{FF2B5EF4-FFF2-40B4-BE49-F238E27FC236}">
-                <a16:creationId xmlns:a16="http://schemas.microsoft.com/office/drawing/2014/main" id="{F12572D8-6900-6B2C-E667-B911F622DCDC}"/>
+                <a16:creationId xmlns:a16="http://schemas.microsoft.com/office/drawing/2014/main" id="{B32BC300-9E45-2E47-6CEF-CC6360E5E4B4}"/>
               </a:ext>
             </a:extLst>
           </p:cNvPr>
@@ -894,7 +894,7 @@
           <p:cNvPr id="6" name="灯片编号占位符 5">
             <a:extLst>
               <a:ext uri="{FF2B5EF4-FFF2-40B4-BE49-F238E27FC236}">
-                <a16:creationId xmlns:a16="http://schemas.microsoft.com/office/drawing/2014/main" id="{3A93D899-529F-FCA1-8394-4E4E14546098}"/>
+                <a16:creationId xmlns:a16="http://schemas.microsoft.com/office/drawing/2014/main" id="{08295FF6-4419-3671-3794-69DEC29A6AB2}"/>
               </a:ext>
             </a:extLst>
           </p:cNvPr>
@@ -910,7 +910,7 @@
           <a:bodyPr/>
           <a:lstStyle/>
           <a:p>
-            <a:fld id="{0AB644AF-91B4-49B2-88C4-BF114A29BADC}" type="slidenum">
+            <a:fld id="{19E310E2-6CBE-4907-A290-EE9EBAB7FDFB}" type="slidenum">
               <a:rPr lang="zh-CN" altLang="en-US" smtClean="0"/>
               <a:t>‹#›</a:t>
             </a:fld>
@@ -921,7 +921,7 @@
     </p:spTree>
     <p:extLst>
       <p:ext uri="{BB962C8B-B14F-4D97-AF65-F5344CB8AC3E}">
-        <p14:creationId xmlns:p14="http://schemas.microsoft.com/office/powerpoint/2010/main" val="3192208471"/>
+        <p14:creationId xmlns:p14="http://schemas.microsoft.com/office/powerpoint/2010/main" val="547018740"/>
       </p:ext>
     </p:extLst>
   </p:cSld>
@@ -953,7 +953,7 @@
           <p:cNvPr id="2" name="标题 1">
             <a:extLst>
               <a:ext uri="{FF2B5EF4-FFF2-40B4-BE49-F238E27FC236}">
-                <a16:creationId xmlns:a16="http://schemas.microsoft.com/office/drawing/2014/main" id="{3D098EBE-A3B5-E305-7F55-C0ABD1EC56E0}"/>
+                <a16:creationId xmlns:a16="http://schemas.microsoft.com/office/drawing/2014/main" id="{225AAFB3-F608-D091-2819-DE699E042508}"/>
               </a:ext>
             </a:extLst>
           </p:cNvPr>
@@ -990,7 +990,7 @@
           <p:cNvPr id="3" name="文本占位符 2">
             <a:extLst>
               <a:ext uri="{FF2B5EF4-FFF2-40B4-BE49-F238E27FC236}">
-                <a16:creationId xmlns:a16="http://schemas.microsoft.com/office/drawing/2014/main" id="{6BA804EE-A3FC-F8FD-0524-F0A030AD33F4}"/>
+                <a16:creationId xmlns:a16="http://schemas.microsoft.com/office/drawing/2014/main" id="{B5C10B69-6C7A-390D-8417-34E73DDED90E}"/>
               </a:ext>
             </a:extLst>
           </p:cNvPr>
@@ -1115,7 +1115,7 @@
           <p:cNvPr id="4" name="日期占位符 3">
             <a:extLst>
               <a:ext uri="{FF2B5EF4-FFF2-40B4-BE49-F238E27FC236}">
-                <a16:creationId xmlns:a16="http://schemas.microsoft.com/office/drawing/2014/main" id="{1E5C56EB-F346-4078-7481-768D01DF4FB4}"/>
+                <a16:creationId xmlns:a16="http://schemas.microsoft.com/office/drawing/2014/main" id="{11F81434-F475-97E7-4106-07C0BEADB0DB}"/>
               </a:ext>
             </a:extLst>
           </p:cNvPr>
@@ -1131,7 +1131,7 @@
           <a:bodyPr/>
           <a:lstStyle/>
           <a:p>
-            <a:fld id="{ED5F4853-2A55-4142-A208-88C819F25CC7}" type="datetimeFigureOut">
+            <a:fld id="{582472C0-2B35-4591-B2D3-FB0217B08940}" type="datetimeFigureOut">
               <a:rPr lang="zh-CN" altLang="en-US" smtClean="0"/>
               <a:t>2024/3/10</a:t>
             </a:fld>
@@ -1144,7 +1144,7 @@
           <p:cNvPr id="5" name="页脚占位符 4">
             <a:extLst>
               <a:ext uri="{FF2B5EF4-FFF2-40B4-BE49-F238E27FC236}">
-                <a16:creationId xmlns:a16="http://schemas.microsoft.com/office/drawing/2014/main" id="{1011E329-CE38-0FC7-2324-58EF768519E8}"/>
+                <a16:creationId xmlns:a16="http://schemas.microsoft.com/office/drawing/2014/main" id="{01136334-96C4-19D8-7F92-A55E4B91D7E3}"/>
               </a:ext>
             </a:extLst>
           </p:cNvPr>
@@ -1169,7 +1169,7 @@
           <p:cNvPr id="6" name="灯片编号占位符 5">
             <a:extLst>
               <a:ext uri="{FF2B5EF4-FFF2-40B4-BE49-F238E27FC236}">
-                <a16:creationId xmlns:a16="http://schemas.microsoft.com/office/drawing/2014/main" id="{72F3F06D-5E9C-EBBD-7F2D-4908EECD1262}"/>
+                <a16:creationId xmlns:a16="http://schemas.microsoft.com/office/drawing/2014/main" id="{B5E73C95-A770-02B4-178E-E1B0A31BF1E3}"/>
               </a:ext>
             </a:extLst>
           </p:cNvPr>
@@ -1185,7 +1185,7 @@
           <a:bodyPr/>
           <a:lstStyle/>
           <a:p>
-            <a:fld id="{0AB644AF-91B4-49B2-88C4-BF114A29BADC}" type="slidenum">
+            <a:fld id="{19E310E2-6CBE-4907-A290-EE9EBAB7FDFB}" type="slidenum">
               <a:rPr lang="zh-CN" altLang="en-US" smtClean="0"/>
               <a:t>‹#›</a:t>
             </a:fld>
@@ -1196,7 +1196,7 @@
     </p:spTree>
     <p:extLst>
       <p:ext uri="{BB962C8B-B14F-4D97-AF65-F5344CB8AC3E}">
-        <p14:creationId xmlns:p14="http://schemas.microsoft.com/office/powerpoint/2010/main" val="1437009405"/>
+        <p14:creationId xmlns:p14="http://schemas.microsoft.com/office/powerpoint/2010/main" val="1111707012"/>
       </p:ext>
     </p:extLst>
   </p:cSld>
@@ -1228,7 +1228,7 @@
           <p:cNvPr id="2" name="标题 1">
             <a:extLst>
               <a:ext uri="{FF2B5EF4-FFF2-40B4-BE49-F238E27FC236}">
-                <a16:creationId xmlns:a16="http://schemas.microsoft.com/office/drawing/2014/main" id="{FAD9A579-40FE-72AC-1CB4-2A736B3FF513}"/>
+                <a16:creationId xmlns:a16="http://schemas.microsoft.com/office/drawing/2014/main" id="{C9D3AA6D-0073-E5DF-342D-994D6E099735}"/>
               </a:ext>
             </a:extLst>
           </p:cNvPr>
@@ -1256,7 +1256,7 @@
           <p:cNvPr id="3" name="内容占位符 2">
             <a:extLst>
               <a:ext uri="{FF2B5EF4-FFF2-40B4-BE49-F238E27FC236}">
-                <a16:creationId xmlns:a16="http://schemas.microsoft.com/office/drawing/2014/main" id="{923B9374-832F-C6B5-A8E7-C02CA9E76D71}"/>
+                <a16:creationId xmlns:a16="http://schemas.microsoft.com/office/drawing/2014/main" id="{63E6A4A0-4D3D-21DB-2328-6A4327DF6FB2}"/>
               </a:ext>
             </a:extLst>
           </p:cNvPr>
@@ -1318,7 +1318,7 @@
           <p:cNvPr id="4" name="内容占位符 3">
             <a:extLst>
               <a:ext uri="{FF2B5EF4-FFF2-40B4-BE49-F238E27FC236}">
-                <a16:creationId xmlns:a16="http://schemas.microsoft.com/office/drawing/2014/main" id="{4AA15F5D-876C-9895-D37A-E4AE567DC191}"/>
+                <a16:creationId xmlns:a16="http://schemas.microsoft.com/office/drawing/2014/main" id="{5AD17778-2D7F-664F-9D4A-335DBE7AE900}"/>
               </a:ext>
             </a:extLst>
           </p:cNvPr>
@@ -1380,7 +1380,7 @@
           <p:cNvPr id="5" name="日期占位符 4">
             <a:extLst>
               <a:ext uri="{FF2B5EF4-FFF2-40B4-BE49-F238E27FC236}">
-                <a16:creationId xmlns:a16="http://schemas.microsoft.com/office/drawing/2014/main" id="{2EBC4989-CE0F-D341-DECD-BBEE0748E85C}"/>
+                <a16:creationId xmlns:a16="http://schemas.microsoft.com/office/drawing/2014/main" id="{47D1EEA0-6CAB-D158-93E3-A6B6B1041CBA}"/>
               </a:ext>
             </a:extLst>
           </p:cNvPr>
@@ -1396,7 +1396,7 @@
           <a:bodyPr/>
           <a:lstStyle/>
           <a:p>
-            <a:fld id="{ED5F4853-2A55-4142-A208-88C819F25CC7}" type="datetimeFigureOut">
+            <a:fld id="{582472C0-2B35-4591-B2D3-FB0217B08940}" type="datetimeFigureOut">
               <a:rPr lang="zh-CN" altLang="en-US" smtClean="0"/>
               <a:t>2024/3/10</a:t>
             </a:fld>
@@ -1409,7 +1409,7 @@
           <p:cNvPr id="6" name="页脚占位符 5">
             <a:extLst>
               <a:ext uri="{FF2B5EF4-FFF2-40B4-BE49-F238E27FC236}">
-                <a16:creationId xmlns:a16="http://schemas.microsoft.com/office/drawing/2014/main" id="{77C01C30-7E18-122E-B2F5-5DC7C9B3F8AA}"/>
+                <a16:creationId xmlns:a16="http://schemas.microsoft.com/office/drawing/2014/main" id="{CAE3C6B1-39B1-C9F2-83BF-B226185645FC}"/>
               </a:ext>
             </a:extLst>
           </p:cNvPr>
@@ -1434,7 +1434,7 @@
           <p:cNvPr id="7" name="灯片编号占位符 6">
             <a:extLst>
               <a:ext uri="{FF2B5EF4-FFF2-40B4-BE49-F238E27FC236}">
-                <a16:creationId xmlns:a16="http://schemas.microsoft.com/office/drawing/2014/main" id="{8704C16C-E311-DE03-ACB4-0B6C2489A2A4}"/>
+                <a16:creationId xmlns:a16="http://schemas.microsoft.com/office/drawing/2014/main" id="{FDEDB0D0-AC45-0CCE-B6E9-A49E7CC70E6C}"/>
               </a:ext>
             </a:extLst>
           </p:cNvPr>
@@ -1450,7 +1450,7 @@
           <a:bodyPr/>
           <a:lstStyle/>
           <a:p>
-            <a:fld id="{0AB644AF-91B4-49B2-88C4-BF114A29BADC}" type="slidenum">
+            <a:fld id="{19E310E2-6CBE-4907-A290-EE9EBAB7FDFB}" type="slidenum">
               <a:rPr lang="zh-CN" altLang="en-US" smtClean="0"/>
               <a:t>‹#›</a:t>
             </a:fld>
@@ -1461,7 +1461,7 @@
     </p:spTree>
     <p:extLst>
       <p:ext uri="{BB962C8B-B14F-4D97-AF65-F5344CB8AC3E}">
-        <p14:creationId xmlns:p14="http://schemas.microsoft.com/office/powerpoint/2010/main" val="1653608012"/>
+        <p14:creationId xmlns:p14="http://schemas.microsoft.com/office/powerpoint/2010/main" val="1379025048"/>
       </p:ext>
     </p:extLst>
   </p:cSld>
@@ -1493,7 +1493,7 @@
           <p:cNvPr id="2" name="标题 1">
             <a:extLst>
               <a:ext uri="{FF2B5EF4-FFF2-40B4-BE49-F238E27FC236}">
-                <a16:creationId xmlns:a16="http://schemas.microsoft.com/office/drawing/2014/main" id="{8BEEB2F9-322D-D95B-F13F-F4D23CDF8C4C}"/>
+                <a16:creationId xmlns:a16="http://schemas.microsoft.com/office/drawing/2014/main" id="{4AF3D182-379F-53D7-72E1-CCD0FBF2B55F}"/>
               </a:ext>
             </a:extLst>
           </p:cNvPr>
@@ -1526,7 +1526,7 @@
           <p:cNvPr id="3" name="文本占位符 2">
             <a:extLst>
               <a:ext uri="{FF2B5EF4-FFF2-40B4-BE49-F238E27FC236}">
-                <a16:creationId xmlns:a16="http://schemas.microsoft.com/office/drawing/2014/main" id="{857222EE-9E2B-21C2-0F54-EC21EF16B380}"/>
+                <a16:creationId xmlns:a16="http://schemas.microsoft.com/office/drawing/2014/main" id="{657ADDF5-7C25-723D-4DC9-C52464E26E00}"/>
               </a:ext>
             </a:extLst>
           </p:cNvPr>
@@ -1597,7 +1597,7 @@
           <p:cNvPr id="4" name="内容占位符 3">
             <a:extLst>
               <a:ext uri="{FF2B5EF4-FFF2-40B4-BE49-F238E27FC236}">
-                <a16:creationId xmlns:a16="http://schemas.microsoft.com/office/drawing/2014/main" id="{F86E9A5A-F5C8-CC9B-4A64-17668D48B580}"/>
+                <a16:creationId xmlns:a16="http://schemas.microsoft.com/office/drawing/2014/main" id="{A7CC2DAD-FAC1-364C-D255-EB5F23CE588B}"/>
               </a:ext>
             </a:extLst>
           </p:cNvPr>
@@ -1659,7 +1659,7 @@
           <p:cNvPr id="5" name="文本占位符 4">
             <a:extLst>
               <a:ext uri="{FF2B5EF4-FFF2-40B4-BE49-F238E27FC236}">
-                <a16:creationId xmlns:a16="http://schemas.microsoft.com/office/drawing/2014/main" id="{D0CB8DD6-AA81-536F-F8DA-1B6FADE7AC17}"/>
+                <a16:creationId xmlns:a16="http://schemas.microsoft.com/office/drawing/2014/main" id="{73CD34C7-1EF6-50C8-88D2-82C927F09273}"/>
               </a:ext>
             </a:extLst>
           </p:cNvPr>
@@ -1730,7 +1730,7 @@
           <p:cNvPr id="6" name="内容占位符 5">
             <a:extLst>
               <a:ext uri="{FF2B5EF4-FFF2-40B4-BE49-F238E27FC236}">
-                <a16:creationId xmlns:a16="http://schemas.microsoft.com/office/drawing/2014/main" id="{F80491DA-B7BC-8A11-2172-FDF1FDEAAC59}"/>
+                <a16:creationId xmlns:a16="http://schemas.microsoft.com/office/drawing/2014/main" id="{D6493433-7D10-F889-E5A2-F2820AB37416}"/>
               </a:ext>
             </a:extLst>
           </p:cNvPr>
@@ -1792,7 +1792,7 @@
           <p:cNvPr id="7" name="日期占位符 6">
             <a:extLst>
               <a:ext uri="{FF2B5EF4-FFF2-40B4-BE49-F238E27FC236}">
-                <a16:creationId xmlns:a16="http://schemas.microsoft.com/office/drawing/2014/main" id="{8B61BDBE-2FD3-525A-E554-E616D21B636C}"/>
+                <a16:creationId xmlns:a16="http://schemas.microsoft.com/office/drawing/2014/main" id="{56F87A6C-496D-744B-AAF2-06CA13EFF72D}"/>
               </a:ext>
             </a:extLst>
           </p:cNvPr>
@@ -1808,7 +1808,7 @@
           <a:bodyPr/>
           <a:lstStyle/>
           <a:p>
-            <a:fld id="{ED5F4853-2A55-4142-A208-88C819F25CC7}" type="datetimeFigureOut">
+            <a:fld id="{582472C0-2B35-4591-B2D3-FB0217B08940}" type="datetimeFigureOut">
               <a:rPr lang="zh-CN" altLang="en-US" smtClean="0"/>
               <a:t>2024/3/10</a:t>
             </a:fld>
@@ -1821,7 +1821,7 @@
           <p:cNvPr id="8" name="页脚占位符 7">
             <a:extLst>
               <a:ext uri="{FF2B5EF4-FFF2-40B4-BE49-F238E27FC236}">
-                <a16:creationId xmlns:a16="http://schemas.microsoft.com/office/drawing/2014/main" id="{3099427B-5BFB-F770-1F31-ABC4E76B161F}"/>
+                <a16:creationId xmlns:a16="http://schemas.microsoft.com/office/drawing/2014/main" id="{4548919B-7C4C-5543-74E9-AE6435C45A87}"/>
               </a:ext>
             </a:extLst>
           </p:cNvPr>
@@ -1846,7 +1846,7 @@
           <p:cNvPr id="9" name="灯片编号占位符 8">
             <a:extLst>
               <a:ext uri="{FF2B5EF4-FFF2-40B4-BE49-F238E27FC236}">
-                <a16:creationId xmlns:a16="http://schemas.microsoft.com/office/drawing/2014/main" id="{F2B949DE-084A-1BFF-7706-DC24CCBD913D}"/>
+                <a16:creationId xmlns:a16="http://schemas.microsoft.com/office/drawing/2014/main" id="{CFAB55AC-74C0-7491-5057-3DD6BDAC75FC}"/>
               </a:ext>
             </a:extLst>
           </p:cNvPr>
@@ -1862,7 +1862,7 @@
           <a:bodyPr/>
           <a:lstStyle/>
           <a:p>
-            <a:fld id="{0AB644AF-91B4-49B2-88C4-BF114A29BADC}" type="slidenum">
+            <a:fld id="{19E310E2-6CBE-4907-A290-EE9EBAB7FDFB}" type="slidenum">
               <a:rPr lang="zh-CN" altLang="en-US" smtClean="0"/>
               <a:t>‹#›</a:t>
             </a:fld>
@@ -1873,7 +1873,7 @@
     </p:spTree>
     <p:extLst>
       <p:ext uri="{BB962C8B-B14F-4D97-AF65-F5344CB8AC3E}">
-        <p14:creationId xmlns:p14="http://schemas.microsoft.com/office/powerpoint/2010/main" val="2466111200"/>
+        <p14:creationId xmlns:p14="http://schemas.microsoft.com/office/powerpoint/2010/main" val="3660858947"/>
       </p:ext>
     </p:extLst>
   </p:cSld>
@@ -1905,7 +1905,7 @@
           <p:cNvPr id="2" name="标题 1">
             <a:extLst>
               <a:ext uri="{FF2B5EF4-FFF2-40B4-BE49-F238E27FC236}">
-                <a16:creationId xmlns:a16="http://schemas.microsoft.com/office/drawing/2014/main" id="{D9BA21A6-3A97-CF68-F477-6A7824148489}"/>
+                <a16:creationId xmlns:a16="http://schemas.microsoft.com/office/drawing/2014/main" id="{2F395AF8-6543-4971-FCE7-D2351EBA81D2}"/>
               </a:ext>
             </a:extLst>
           </p:cNvPr>
@@ -1933,7 +1933,7 @@
           <p:cNvPr id="3" name="日期占位符 2">
             <a:extLst>
               <a:ext uri="{FF2B5EF4-FFF2-40B4-BE49-F238E27FC236}">
-                <a16:creationId xmlns:a16="http://schemas.microsoft.com/office/drawing/2014/main" id="{F2E4D8F4-610E-9F50-87B7-4A2105440BF4}"/>
+                <a16:creationId xmlns:a16="http://schemas.microsoft.com/office/drawing/2014/main" id="{ED9B4C78-2076-761A-47B4-B60559D97F2E}"/>
               </a:ext>
             </a:extLst>
           </p:cNvPr>
@@ -1949,7 +1949,7 @@
           <a:bodyPr/>
           <a:lstStyle/>
           <a:p>
-            <a:fld id="{ED5F4853-2A55-4142-A208-88C819F25CC7}" type="datetimeFigureOut">
+            <a:fld id="{582472C0-2B35-4591-B2D3-FB0217B08940}" type="datetimeFigureOut">
               <a:rPr lang="zh-CN" altLang="en-US" smtClean="0"/>
               <a:t>2024/3/10</a:t>
             </a:fld>
@@ -1962,7 +1962,7 @@
           <p:cNvPr id="4" name="页脚占位符 3">
             <a:extLst>
               <a:ext uri="{FF2B5EF4-FFF2-40B4-BE49-F238E27FC236}">
-                <a16:creationId xmlns:a16="http://schemas.microsoft.com/office/drawing/2014/main" id="{C18324F9-C4AE-B0AE-149E-5A7252EBF258}"/>
+                <a16:creationId xmlns:a16="http://schemas.microsoft.com/office/drawing/2014/main" id="{30A6CE95-C551-1721-6407-2DF23AF5E8A2}"/>
               </a:ext>
             </a:extLst>
           </p:cNvPr>
@@ -1987,7 +1987,7 @@
           <p:cNvPr id="5" name="灯片编号占位符 4">
             <a:extLst>
               <a:ext uri="{FF2B5EF4-FFF2-40B4-BE49-F238E27FC236}">
-                <a16:creationId xmlns:a16="http://schemas.microsoft.com/office/drawing/2014/main" id="{32BC1499-41A1-FC3E-790C-1AC35D49A054}"/>
+                <a16:creationId xmlns:a16="http://schemas.microsoft.com/office/drawing/2014/main" id="{00D116DC-5F59-9CB0-517B-3F3ADAA11F34}"/>
               </a:ext>
             </a:extLst>
           </p:cNvPr>
@@ -2003,7 +2003,7 @@
           <a:bodyPr/>
           <a:lstStyle/>
           <a:p>
-            <a:fld id="{0AB644AF-91B4-49B2-88C4-BF114A29BADC}" type="slidenum">
+            <a:fld id="{19E310E2-6CBE-4907-A290-EE9EBAB7FDFB}" type="slidenum">
               <a:rPr lang="zh-CN" altLang="en-US" smtClean="0"/>
               <a:t>‹#›</a:t>
             </a:fld>
@@ -2014,7 +2014,7 @@
     </p:spTree>
     <p:extLst>
       <p:ext uri="{BB962C8B-B14F-4D97-AF65-F5344CB8AC3E}">
-        <p14:creationId xmlns:p14="http://schemas.microsoft.com/office/powerpoint/2010/main" val="2529185182"/>
+        <p14:creationId xmlns:p14="http://schemas.microsoft.com/office/powerpoint/2010/main" val="1352657795"/>
       </p:ext>
     </p:extLst>
   </p:cSld>
@@ -2046,7 +2046,7 @@
           <p:cNvPr id="2" name="日期占位符 1">
             <a:extLst>
               <a:ext uri="{FF2B5EF4-FFF2-40B4-BE49-F238E27FC236}">
-                <a16:creationId xmlns:a16="http://schemas.microsoft.com/office/drawing/2014/main" id="{F8CF05FA-9E9D-8C77-3099-F176C4F2C80F}"/>
+                <a16:creationId xmlns:a16="http://schemas.microsoft.com/office/drawing/2014/main" id="{141BDAB2-901B-3F81-8817-FD25C791644A}"/>
               </a:ext>
             </a:extLst>
           </p:cNvPr>
@@ -2062,7 +2062,7 @@
           <a:bodyPr/>
           <a:lstStyle/>
           <a:p>
-            <a:fld id="{ED5F4853-2A55-4142-A208-88C819F25CC7}" type="datetimeFigureOut">
+            <a:fld id="{582472C0-2B35-4591-B2D3-FB0217B08940}" type="datetimeFigureOut">
               <a:rPr lang="zh-CN" altLang="en-US" smtClean="0"/>
               <a:t>2024/3/10</a:t>
             </a:fld>
@@ -2075,7 +2075,7 @@
           <p:cNvPr id="3" name="页脚占位符 2">
             <a:extLst>
               <a:ext uri="{FF2B5EF4-FFF2-40B4-BE49-F238E27FC236}">
-                <a16:creationId xmlns:a16="http://schemas.microsoft.com/office/drawing/2014/main" id="{CE5B46A1-04D2-BA8F-6CB5-82101FB0D553}"/>
+                <a16:creationId xmlns:a16="http://schemas.microsoft.com/office/drawing/2014/main" id="{9AE3C308-3ACA-6D1F-B2DE-6D01D9879F60}"/>
               </a:ext>
             </a:extLst>
           </p:cNvPr>
@@ -2100,7 +2100,7 @@
           <p:cNvPr id="4" name="灯片编号占位符 3">
             <a:extLst>
               <a:ext uri="{FF2B5EF4-FFF2-40B4-BE49-F238E27FC236}">
-                <a16:creationId xmlns:a16="http://schemas.microsoft.com/office/drawing/2014/main" id="{C6271E38-4B1A-BF55-0C85-13622B25F293}"/>
+                <a16:creationId xmlns:a16="http://schemas.microsoft.com/office/drawing/2014/main" id="{F5AE4C23-53F2-F905-F1AF-E03C3B0909FF}"/>
               </a:ext>
             </a:extLst>
           </p:cNvPr>
@@ -2116,7 +2116,7 @@
           <a:bodyPr/>
           <a:lstStyle/>
           <a:p>
-            <a:fld id="{0AB644AF-91B4-49B2-88C4-BF114A29BADC}" type="slidenum">
+            <a:fld id="{19E310E2-6CBE-4907-A290-EE9EBAB7FDFB}" type="slidenum">
               <a:rPr lang="zh-CN" altLang="en-US" smtClean="0"/>
               <a:t>‹#›</a:t>
             </a:fld>
@@ -2127,7 +2127,7 @@
     </p:spTree>
     <p:extLst>
       <p:ext uri="{BB962C8B-B14F-4D97-AF65-F5344CB8AC3E}">
-        <p14:creationId xmlns:p14="http://schemas.microsoft.com/office/powerpoint/2010/main" val="65706499"/>
+        <p14:creationId xmlns:p14="http://schemas.microsoft.com/office/powerpoint/2010/main" val="458008617"/>
       </p:ext>
     </p:extLst>
   </p:cSld>
@@ -2159,7 +2159,7 @@
           <p:cNvPr id="2" name="标题 1">
             <a:extLst>
               <a:ext uri="{FF2B5EF4-FFF2-40B4-BE49-F238E27FC236}">
-                <a16:creationId xmlns:a16="http://schemas.microsoft.com/office/drawing/2014/main" id="{BD5D85D8-24E5-5E0C-9AE5-A12422A5FE10}"/>
+                <a16:creationId xmlns:a16="http://schemas.microsoft.com/office/drawing/2014/main" id="{B9A5D2E5-814D-FF1B-677F-9F917ACD4441}"/>
               </a:ext>
             </a:extLst>
           </p:cNvPr>
@@ -2196,7 +2196,7 @@
           <p:cNvPr id="3" name="内容占位符 2">
             <a:extLst>
               <a:ext uri="{FF2B5EF4-FFF2-40B4-BE49-F238E27FC236}">
-                <a16:creationId xmlns:a16="http://schemas.microsoft.com/office/drawing/2014/main" id="{7A9A8759-B975-521D-0A02-677D73A1EF8E}"/>
+                <a16:creationId xmlns:a16="http://schemas.microsoft.com/office/drawing/2014/main" id="{D48A99B5-94CE-C345-E082-C4823EF4B77F}"/>
               </a:ext>
             </a:extLst>
           </p:cNvPr>
@@ -2286,7 +2286,7 @@
           <p:cNvPr id="4" name="文本占位符 3">
             <a:extLst>
               <a:ext uri="{FF2B5EF4-FFF2-40B4-BE49-F238E27FC236}">
-                <a16:creationId xmlns:a16="http://schemas.microsoft.com/office/drawing/2014/main" id="{C2DF72EF-D067-5AD0-0C5D-B0E228D54984}"/>
+                <a16:creationId xmlns:a16="http://schemas.microsoft.com/office/drawing/2014/main" id="{EC278AA1-AE02-7E35-CC54-7B167F4862A3}"/>
               </a:ext>
             </a:extLst>
           </p:cNvPr>
@@ -2357,7 +2357,7 @@
           <p:cNvPr id="5" name="日期占位符 4">
             <a:extLst>
               <a:ext uri="{FF2B5EF4-FFF2-40B4-BE49-F238E27FC236}">
-                <a16:creationId xmlns:a16="http://schemas.microsoft.com/office/drawing/2014/main" id="{B0C6A80E-9220-1FB0-DB3A-DB44B832471C}"/>
+                <a16:creationId xmlns:a16="http://schemas.microsoft.com/office/drawing/2014/main" id="{11CD77BE-00BD-B9CD-19CD-FDE47E4D4B8F}"/>
               </a:ext>
             </a:extLst>
           </p:cNvPr>
@@ -2373,7 +2373,7 @@
           <a:bodyPr/>
           <a:lstStyle/>
           <a:p>
-            <a:fld id="{ED5F4853-2A55-4142-A208-88C819F25CC7}" type="datetimeFigureOut">
+            <a:fld id="{582472C0-2B35-4591-B2D3-FB0217B08940}" type="datetimeFigureOut">
               <a:rPr lang="zh-CN" altLang="en-US" smtClean="0"/>
               <a:t>2024/3/10</a:t>
             </a:fld>
@@ -2386,7 +2386,7 @@
           <p:cNvPr id="6" name="页脚占位符 5">
             <a:extLst>
               <a:ext uri="{FF2B5EF4-FFF2-40B4-BE49-F238E27FC236}">
-                <a16:creationId xmlns:a16="http://schemas.microsoft.com/office/drawing/2014/main" id="{3608D4BF-66C5-974A-A8FF-4403276E154A}"/>
+                <a16:creationId xmlns:a16="http://schemas.microsoft.com/office/drawing/2014/main" id="{D19F593E-A12E-AD70-9405-F27C2E56814A}"/>
               </a:ext>
             </a:extLst>
           </p:cNvPr>
@@ -2411,7 +2411,7 @@
           <p:cNvPr id="7" name="灯片编号占位符 6">
             <a:extLst>
               <a:ext uri="{FF2B5EF4-FFF2-40B4-BE49-F238E27FC236}">
-                <a16:creationId xmlns:a16="http://schemas.microsoft.com/office/drawing/2014/main" id="{29224BF1-9AD8-B59D-D7B7-E40B71CF4519}"/>
+                <a16:creationId xmlns:a16="http://schemas.microsoft.com/office/drawing/2014/main" id="{060C649D-0E65-01CF-9708-E8855058EA7A}"/>
               </a:ext>
             </a:extLst>
           </p:cNvPr>
@@ -2427,7 +2427,7 @@
           <a:bodyPr/>
           <a:lstStyle/>
           <a:p>
-            <a:fld id="{0AB644AF-91B4-49B2-88C4-BF114A29BADC}" type="slidenum">
+            <a:fld id="{19E310E2-6CBE-4907-A290-EE9EBAB7FDFB}" type="slidenum">
               <a:rPr lang="zh-CN" altLang="en-US" smtClean="0"/>
               <a:t>‹#›</a:t>
             </a:fld>
@@ -2438,7 +2438,7 @@
     </p:spTree>
     <p:extLst>
       <p:ext uri="{BB962C8B-B14F-4D97-AF65-F5344CB8AC3E}">
-        <p14:creationId xmlns:p14="http://schemas.microsoft.com/office/powerpoint/2010/main" val="88225623"/>
+        <p14:creationId xmlns:p14="http://schemas.microsoft.com/office/powerpoint/2010/main" val="1289852033"/>
       </p:ext>
     </p:extLst>
   </p:cSld>
@@ -2470,7 +2470,7 @@
           <p:cNvPr id="2" name="标题 1">
             <a:extLst>
               <a:ext uri="{FF2B5EF4-FFF2-40B4-BE49-F238E27FC236}">
-                <a16:creationId xmlns:a16="http://schemas.microsoft.com/office/drawing/2014/main" id="{BF9A4330-6C33-3BFF-EF96-96C446525893}"/>
+                <a16:creationId xmlns:a16="http://schemas.microsoft.com/office/drawing/2014/main" id="{A8A5A78F-E502-2A81-0459-49BD705B816C}"/>
               </a:ext>
             </a:extLst>
           </p:cNvPr>
@@ -2507,7 +2507,7 @@
           <p:cNvPr id="3" name="图片占位符 2">
             <a:extLst>
               <a:ext uri="{FF2B5EF4-FFF2-40B4-BE49-F238E27FC236}">
-                <a16:creationId xmlns:a16="http://schemas.microsoft.com/office/drawing/2014/main" id="{0693D493-C0C9-D6D3-E340-0429B96B6484}"/>
+                <a16:creationId xmlns:a16="http://schemas.microsoft.com/office/drawing/2014/main" id="{42C05803-52F6-6BD1-73E9-53BA54ED6886}"/>
               </a:ext>
             </a:extLst>
           </p:cNvPr>
@@ -2574,7 +2574,7 @@
           <p:cNvPr id="4" name="文本占位符 3">
             <a:extLst>
               <a:ext uri="{FF2B5EF4-FFF2-40B4-BE49-F238E27FC236}">
-                <a16:creationId xmlns:a16="http://schemas.microsoft.com/office/drawing/2014/main" id="{318761F2-9A53-E77A-B406-BF623559531A}"/>
+                <a16:creationId xmlns:a16="http://schemas.microsoft.com/office/drawing/2014/main" id="{05D42684-6833-8F21-8E7D-5563A9F68874}"/>
               </a:ext>
             </a:extLst>
           </p:cNvPr>
@@ -2645,7 +2645,7 @@
           <p:cNvPr id="5" name="日期占位符 4">
             <a:extLst>
               <a:ext uri="{FF2B5EF4-FFF2-40B4-BE49-F238E27FC236}">
-                <a16:creationId xmlns:a16="http://schemas.microsoft.com/office/drawing/2014/main" id="{C5791ED9-0C2E-E270-2C44-9A89B7E4C034}"/>
+                <a16:creationId xmlns:a16="http://schemas.microsoft.com/office/drawing/2014/main" id="{54090655-7C26-9710-C6AC-6394A654281C}"/>
               </a:ext>
             </a:extLst>
           </p:cNvPr>
@@ -2661,7 +2661,7 @@
           <a:bodyPr/>
           <a:lstStyle/>
           <a:p>
-            <a:fld id="{ED5F4853-2A55-4142-A208-88C819F25CC7}" type="datetimeFigureOut">
+            <a:fld id="{582472C0-2B35-4591-B2D3-FB0217B08940}" type="datetimeFigureOut">
               <a:rPr lang="zh-CN" altLang="en-US" smtClean="0"/>
               <a:t>2024/3/10</a:t>
             </a:fld>
@@ -2674,7 +2674,7 @@
           <p:cNvPr id="6" name="页脚占位符 5">
             <a:extLst>
               <a:ext uri="{FF2B5EF4-FFF2-40B4-BE49-F238E27FC236}">
-                <a16:creationId xmlns:a16="http://schemas.microsoft.com/office/drawing/2014/main" id="{79ED2491-BC74-EBC0-E24C-7C1253B26F98}"/>
+                <a16:creationId xmlns:a16="http://schemas.microsoft.com/office/drawing/2014/main" id="{AED1C114-26C4-F1BE-D494-488922C0DDD0}"/>
               </a:ext>
             </a:extLst>
           </p:cNvPr>
@@ -2699,7 +2699,7 @@
           <p:cNvPr id="7" name="灯片编号占位符 6">
             <a:extLst>
               <a:ext uri="{FF2B5EF4-FFF2-40B4-BE49-F238E27FC236}">
-                <a16:creationId xmlns:a16="http://schemas.microsoft.com/office/drawing/2014/main" id="{7F8FF6FE-3979-C5CC-9527-A7DCF2EEBDC1}"/>
+                <a16:creationId xmlns:a16="http://schemas.microsoft.com/office/drawing/2014/main" id="{B614E704-1234-5865-B93C-BC772A999F4C}"/>
               </a:ext>
             </a:extLst>
           </p:cNvPr>
@@ -2715,7 +2715,7 @@
           <a:bodyPr/>
           <a:lstStyle/>
           <a:p>
-            <a:fld id="{0AB644AF-91B4-49B2-88C4-BF114A29BADC}" type="slidenum">
+            <a:fld id="{19E310E2-6CBE-4907-A290-EE9EBAB7FDFB}" type="slidenum">
               <a:rPr lang="zh-CN" altLang="en-US" smtClean="0"/>
               <a:t>‹#›</a:t>
             </a:fld>
@@ -2726,7 +2726,7 @@
     </p:spTree>
     <p:extLst>
       <p:ext uri="{BB962C8B-B14F-4D97-AF65-F5344CB8AC3E}">
-        <p14:creationId xmlns:p14="http://schemas.microsoft.com/office/powerpoint/2010/main" val="3166432795"/>
+        <p14:creationId xmlns:p14="http://schemas.microsoft.com/office/powerpoint/2010/main" val="506388025"/>
       </p:ext>
     </p:extLst>
   </p:cSld>
@@ -2763,7 +2763,7 @@
           <p:cNvPr id="2" name="标题占位符 1">
             <a:extLst>
               <a:ext uri="{FF2B5EF4-FFF2-40B4-BE49-F238E27FC236}">
-                <a16:creationId xmlns:a16="http://schemas.microsoft.com/office/drawing/2014/main" id="{ACA19A34-EEF4-775F-2F4D-28FDFCEF8B64}"/>
+                <a16:creationId xmlns:a16="http://schemas.microsoft.com/office/drawing/2014/main" id="{C9CCAE97-70C4-D614-6C7B-3EE6091BBF65}"/>
               </a:ext>
             </a:extLst>
           </p:cNvPr>
@@ -2801,7 +2801,7 @@
           <p:cNvPr id="3" name="文本占位符 2">
             <a:extLst>
               <a:ext uri="{FF2B5EF4-FFF2-40B4-BE49-F238E27FC236}">
-                <a16:creationId xmlns:a16="http://schemas.microsoft.com/office/drawing/2014/main" id="{67A8DE1F-CB96-D03C-D6B3-399F8781C378}"/>
+                <a16:creationId xmlns:a16="http://schemas.microsoft.com/office/drawing/2014/main" id="{60F54076-F3BC-A890-B658-9C499F25E80F}"/>
               </a:ext>
             </a:extLst>
           </p:cNvPr>
@@ -2868,7 +2868,7 @@
           <p:cNvPr id="4" name="日期占位符 3">
             <a:extLst>
               <a:ext uri="{FF2B5EF4-FFF2-40B4-BE49-F238E27FC236}">
-                <a16:creationId xmlns:a16="http://schemas.microsoft.com/office/drawing/2014/main" id="{213FEAB0-BB56-B742-BCE5-95FD13214B3C}"/>
+                <a16:creationId xmlns:a16="http://schemas.microsoft.com/office/drawing/2014/main" id="{512AE2AD-5CDC-6F5E-F30A-9E60E31FDBDB}"/>
               </a:ext>
             </a:extLst>
           </p:cNvPr>
@@ -2902,7 +2902,7 @@
             </a:lvl1pPr>
           </a:lstStyle>
           <a:p>
-            <a:fld id="{ED5F4853-2A55-4142-A208-88C819F25CC7}" type="datetimeFigureOut">
+            <a:fld id="{582472C0-2B35-4591-B2D3-FB0217B08940}" type="datetimeFigureOut">
               <a:rPr lang="zh-CN" altLang="en-US" smtClean="0"/>
               <a:t>2024/3/10</a:t>
             </a:fld>
@@ -2915,7 +2915,7 @@
           <p:cNvPr id="5" name="页脚占位符 4">
             <a:extLst>
               <a:ext uri="{FF2B5EF4-FFF2-40B4-BE49-F238E27FC236}">
-                <a16:creationId xmlns:a16="http://schemas.microsoft.com/office/drawing/2014/main" id="{82EB3D1A-DD57-CB13-E8CF-719C68801CDF}"/>
+                <a16:creationId xmlns:a16="http://schemas.microsoft.com/office/drawing/2014/main" id="{CCC0243F-B3E1-D75F-5F57-7BE48238C423}"/>
               </a:ext>
             </a:extLst>
           </p:cNvPr>
@@ -2958,7 +2958,7 @@
           <p:cNvPr id="6" name="灯片编号占位符 5">
             <a:extLst>
               <a:ext uri="{FF2B5EF4-FFF2-40B4-BE49-F238E27FC236}">
-                <a16:creationId xmlns:a16="http://schemas.microsoft.com/office/drawing/2014/main" id="{94467D78-D9D3-4ADC-28E6-FFF2D28487C7}"/>
+                <a16:creationId xmlns:a16="http://schemas.microsoft.com/office/drawing/2014/main" id="{8247081E-ED2C-226D-F0A0-68E69042345F}"/>
               </a:ext>
             </a:extLst>
           </p:cNvPr>
@@ -2992,7 +2992,7 @@
             </a:lvl1pPr>
           </a:lstStyle>
           <a:p>
-            <a:fld id="{0AB644AF-91B4-49B2-88C4-BF114A29BADC}" type="slidenum">
+            <a:fld id="{19E310E2-6CBE-4907-A290-EE9EBAB7FDFB}" type="slidenum">
               <a:rPr lang="zh-CN" altLang="en-US" smtClean="0"/>
               <a:t>‹#›</a:t>
             </a:fld>
@@ -3003,7 +3003,7 @@
     </p:spTree>
     <p:extLst>
       <p:ext uri="{BB962C8B-B14F-4D97-AF65-F5344CB8AC3E}">
-        <p14:creationId xmlns:p14="http://schemas.microsoft.com/office/powerpoint/2010/main" val="2808197574"/>
+        <p14:creationId xmlns:p14="http://schemas.microsoft.com/office/powerpoint/2010/main" val="1180341780"/>
       </p:ext>
     </p:extLst>
   </p:cSld>
@@ -3323,7 +3323,7 @@
       </p:grpSpPr>
       <p:pic>
         <p:nvPicPr>
-          <p:cNvPr id="779266" name="Picture 2" descr="760"/>
+          <p:cNvPr id="780290" name="Picture 2" descr="761"/>
           <p:cNvPicPr>
             <a:picLocks noChangeAspect="1" noChangeArrowheads="1"/>
           </p:cNvPicPr>
